--- a/04/03 引入测试框架.pptx
+++ b/04/03 引入测试框架.pptx
@@ -207,7 +207,7 @@
           <a:p>
             <a:fld id="{E45DE43E-AE57-4683-A429-3F46F1978ACA}" type="datetimeFigureOut">
               <a:rPr lang="zh-CN" altLang="en-US" smtClean="0"/>
-              <a:t>2018/3/1</a:t>
+              <a:t>2018/3/12</a:t>
             </a:fld>
             <a:endParaRPr lang="zh-CN" altLang="en-US"/>
           </a:p>
@@ -801,7 +801,7 @@
           <a:p>
             <a:fld id="{530820CF-B880-4189-942D-D702A7CBA730}" type="datetimeFigureOut">
               <a:rPr lang="zh-CN" altLang="en-US" smtClean="0"/>
-              <a:t>2018/3/1</a:t>
+              <a:t>2018/3/12</a:t>
             </a:fld>
             <a:endParaRPr lang="zh-CN" altLang="en-US"/>
           </a:p>
@@ -1199,7 +1199,7 @@
           <a:p>
             <a:fld id="{530820CF-B880-4189-942D-D702A7CBA730}" type="datetimeFigureOut">
               <a:rPr lang="zh-CN" altLang="en-US" smtClean="0"/>
-              <a:t>2018/3/1</a:t>
+              <a:t>2018/3/12</a:t>
             </a:fld>
             <a:endParaRPr lang="zh-CN" altLang="en-US"/>
           </a:p>
@@ -1745,7 +1745,7 @@
           <a:p>
             <a:fld id="{530820CF-B880-4189-942D-D702A7CBA730}" type="datetimeFigureOut">
               <a:rPr lang="zh-CN" altLang="en-US" smtClean="0"/>
-              <a:t>2018/3/1</a:t>
+              <a:t>2018/3/12</a:t>
             </a:fld>
             <a:endParaRPr lang="zh-CN" altLang="en-US"/>
           </a:p>
@@ -3000,8 +3000,8 @@
           <a:lstStyle/>
           <a:p>
             <a:r>
-              <a:rPr lang="en-US" altLang="zh-CN" dirty="0" smtClean="0"/>
-              <a:t>suite-test-class/groups-class-method</a:t>
+              <a:rPr lang="en-US" altLang="zh-CN" smtClean="0"/>
+              <a:t>suite-test-classes/groups-class-method</a:t>
             </a:r>
             <a:endParaRPr lang="zh-CN" altLang="en-US" dirty="0"/>
           </a:p>
@@ -4469,11 +4469,7 @@
             </a:pPr>
             <a:r>
               <a:rPr lang="zh-CN" altLang="en-US" dirty="0"/>
-              <a:t>接口测试结果</a:t>
-            </a:r>
-            <a:r>
-              <a:rPr lang="zh-CN" altLang="en-US" dirty="0"/>
-              <a:t>验证</a:t>
+              <a:t>接口测试结果验证</a:t>
             </a:r>
             <a:endParaRPr lang="en-US" altLang="zh-CN" dirty="0"/>
           </a:p>
